--- a/presentations/BI Analysis Week 5.pptx
+++ b/presentations/BI Analysis Week 5.pptx
@@ -5,10 +5,10 @@
     <p:sldMasterId id="2147483648" r:id="rId4"/>
   </p:sldMasterIdLst>
   <p:notesMasterIdLst>
-    <p:notesMasterId r:id="rId38"/>
+    <p:notesMasterId r:id="rId39"/>
   </p:notesMasterIdLst>
   <p:handoutMasterIdLst>
-    <p:handoutMasterId r:id="rId39"/>
+    <p:handoutMasterId r:id="rId40"/>
   </p:handoutMasterIdLst>
   <p:sldIdLst>
     <p:sldId id="256" r:id="rId5"/>
@@ -31,19 +31,20 @@
     <p:sldId id="302" r:id="rId22"/>
     <p:sldId id="295" r:id="rId23"/>
     <p:sldId id="301" r:id="rId24"/>
-    <p:sldId id="313" r:id="rId25"/>
-    <p:sldId id="314" r:id="rId26"/>
-    <p:sldId id="315" r:id="rId27"/>
-    <p:sldId id="316" r:id="rId28"/>
-    <p:sldId id="317" r:id="rId29"/>
-    <p:sldId id="318" r:id="rId30"/>
-    <p:sldId id="319" r:id="rId31"/>
-    <p:sldId id="285" r:id="rId32"/>
-    <p:sldId id="288" r:id="rId33"/>
-    <p:sldId id="287" r:id="rId34"/>
-    <p:sldId id="289" r:id="rId35"/>
-    <p:sldId id="290" r:id="rId36"/>
-    <p:sldId id="278" r:id="rId37"/>
+    <p:sldId id="320" r:id="rId25"/>
+    <p:sldId id="313" r:id="rId26"/>
+    <p:sldId id="314" r:id="rId27"/>
+    <p:sldId id="315" r:id="rId28"/>
+    <p:sldId id="316" r:id="rId29"/>
+    <p:sldId id="317" r:id="rId30"/>
+    <p:sldId id="318" r:id="rId31"/>
+    <p:sldId id="319" r:id="rId32"/>
+    <p:sldId id="285" r:id="rId33"/>
+    <p:sldId id="288" r:id="rId34"/>
+    <p:sldId id="287" r:id="rId35"/>
+    <p:sldId id="289" r:id="rId36"/>
+    <p:sldId id="290" r:id="rId37"/>
+    <p:sldId id="278" r:id="rId38"/>
   </p:sldIdLst>
   <p:sldSz cx="12192000" cy="6858000"/>
   <p:notesSz cx="6858000" cy="9144000"/>
@@ -179,6 +180,7 @@
             <p14:sldId id="302"/>
             <p14:sldId id="295"/>
             <p14:sldId id="301"/>
+            <p14:sldId id="320"/>
             <p14:sldId id="313"/>
             <p14:sldId id="314"/>
             <p14:sldId id="315"/>
@@ -324,7 +326,7 @@
           <a:p>
             <a:fld id="{D3D47A4C-1800-412B-9042-C93F1924AECC}" type="datetimeFigureOut">
               <a:rPr lang="en-US" smtClean="0"/>
-              <a:t>1/27/2025</a:t>
+              <a:t>1/31/2025</a:t>
             </a:fld>
             <a:endParaRPr lang="en-US"/>
           </a:p>
@@ -501,7 +503,7 @@
           <a:p>
             <a:fld id="{7000EB3D-2307-4317-8A1D-B47FA45245F0}" type="datetimeFigureOut">
               <a:rPr lang="en-US" noProof="0" smtClean="0"/>
-              <a:t>1/27/2025</a:t>
+              <a:t>1/31/2025</a:t>
             </a:fld>
             <a:endParaRPr lang="en-US" noProof="0"/>
           </a:p>
@@ -1085,7 +1087,7 @@
           <a:p>
             <a:fld id="{53D78A92-0141-4330-8F3E-FAADFAC23844}" type="slidenum">
               <a:rPr lang="en-US" noProof="0" smtClean="0"/>
-              <a:t>30</a:t>
+              <a:t>31</a:t>
             </a:fld>
             <a:endParaRPr lang="en-US" noProof="0"/>
           </a:p>
@@ -1627,7 +1629,7 @@
           <a:p>
             <a:fld id="{25C0C67E-B257-49FB-AFB7-390FF0CAC9EE}" type="datetime1">
               <a:rPr lang="en-US" smtClean="0"/>
-              <a:t>1/27/2025</a:t>
+              <a:t>1/31/2025</a:t>
             </a:fld>
             <a:endParaRPr lang="en-US" dirty="0"/>
           </a:p>
@@ -2314,7 +2316,7 @@
           <a:p>
             <a:fld id="{03BBD6F9-FF78-4379-B47B-B6CCD4905C21}" type="datetime1">
               <a:rPr lang="en-US" smtClean="0"/>
-              <a:t>1/27/2025</a:t>
+              <a:t>1/31/2025</a:t>
             </a:fld>
             <a:endParaRPr lang="en-US" dirty="0"/>
           </a:p>
@@ -2850,7 +2852,7 @@
           <a:p>
             <a:fld id="{2AAF6C4C-B857-4C53-AEC7-D656D7ED2A76}" type="datetime1">
               <a:rPr lang="en-US" smtClean="0"/>
-              <a:t>1/27/2025</a:t>
+              <a:t>1/31/2025</a:t>
             </a:fld>
             <a:endParaRPr lang="en-US" dirty="0"/>
           </a:p>
@@ -3490,7 +3492,7 @@
           <a:p>
             <a:fld id="{CAE074D3-6905-43E2-BEC0-283A6A564273}" type="datetime1">
               <a:rPr lang="en-US" smtClean="0"/>
-              <a:t>1/27/2025</a:t>
+              <a:t>1/31/2025</a:t>
             </a:fld>
             <a:endParaRPr lang="en-US" dirty="0"/>
           </a:p>
@@ -4288,7 +4290,7 @@
           <a:p>
             <a:fld id="{47050DF2-E1AE-4752-B51C-00A6271C04BA}" type="datetime1">
               <a:rPr lang="en-US" smtClean="0"/>
-              <a:t>1/27/2025</a:t>
+              <a:t>1/31/2025</a:t>
             </a:fld>
             <a:endParaRPr lang="en-US" dirty="0"/>
           </a:p>
@@ -5174,7 +5176,7 @@
           <a:p>
             <a:fld id="{DC3E54E2-E800-4A5F-A6BA-BFDD0B48CDBE}" type="datetime1">
               <a:rPr lang="en-US" smtClean="0"/>
-              <a:t>1/27/2025</a:t>
+              <a:t>1/31/2025</a:t>
             </a:fld>
             <a:endParaRPr lang="en-US" dirty="0"/>
           </a:p>
@@ -5507,7 +5509,7 @@
           <a:p>
             <a:fld id="{ED68B9E8-D726-48B5-B06E-0920A38DFDCE}" type="datetime1">
               <a:rPr lang="en-US" smtClean="0"/>
-              <a:t>1/27/2025</a:t>
+              <a:t>1/31/2025</a:t>
             </a:fld>
             <a:endParaRPr lang="en-US" dirty="0"/>
           </a:p>
@@ -5700,7 +5702,7 @@
           <a:p>
             <a:fld id="{A01838E9-F567-4B1C-90ED-A9C2AFA6D6F3}" type="datetime1">
               <a:rPr lang="en-US" smtClean="0"/>
-              <a:t>1/27/2025</a:t>
+              <a:t>1/31/2025</a:t>
             </a:fld>
             <a:endParaRPr lang="en-US" dirty="0"/>
           </a:p>
@@ -8686,6 +8688,64 @@
       </p:grpSpPr>
       <p:sp>
         <p:nvSpPr>
+          <p:cNvPr id="4" name="Title 3">
+            <a:extLst>
+              <a:ext uri="{FF2B5EF4-FFF2-40B4-BE49-F238E27FC236}">
+                <a16:creationId xmlns:a16="http://schemas.microsoft.com/office/drawing/2014/main" id="{FAA803E3-9436-49CB-98F7-C59E30548DF0}"/>
+              </a:ext>
+            </a:extLst>
+          </p:cNvPr>
+          <p:cNvSpPr>
+            <a:spLocks noGrp="1"/>
+          </p:cNvSpPr>
+          <p:nvPr>
+            <p:ph type="title"/>
+          </p:nvPr>
+        </p:nvSpPr>
+        <p:spPr/>
+        <p:txBody>
+          <a:bodyPr/>
+          <a:lstStyle/>
+          <a:p>
+            <a:r>
+              <a:rPr lang="en-US" dirty="0"/>
+              <a:t>Model Evaluation 2</a:t>
+            </a:r>
+          </a:p>
+        </p:txBody>
+      </p:sp>
+    </p:spTree>
+    <p:extLst>
+      <p:ext uri="{BB962C8B-B14F-4D97-AF65-F5344CB8AC3E}">
+        <p14:creationId xmlns:p14="http://schemas.microsoft.com/office/powerpoint/2010/main" val="1869955238"/>
+      </p:ext>
+    </p:extLst>
+  </p:cSld>
+  <p:clrMapOvr>
+    <a:masterClrMapping/>
+  </p:clrMapOvr>
+</p:sld>
+</file>
+
+<file path=ppt/slides/slide22.xml><?xml version="1.0" encoding="utf-8"?>
+<p:sld xmlns:a="http://schemas.openxmlformats.org/drawingml/2006/main" xmlns:r="http://schemas.openxmlformats.org/officeDocument/2006/relationships" xmlns:p="http://schemas.openxmlformats.org/presentationml/2006/main">
+  <p:cSld>
+    <p:spTree>
+      <p:nvGrpSpPr>
+        <p:cNvPr id="1" name=""/>
+        <p:cNvGrpSpPr/>
+        <p:nvPr/>
+      </p:nvGrpSpPr>
+      <p:grpSpPr>
+        <a:xfrm>
+          <a:off x="0" y="0"/>
+          <a:ext cx="0" cy="0"/>
+          <a:chOff x="0" y="0"/>
+          <a:chExt cx="0" cy="0"/>
+        </a:xfrm>
+      </p:grpSpPr>
+      <p:sp>
+        <p:nvSpPr>
           <p:cNvPr id="2" name="Title 1">
             <a:extLst>
               <a:ext uri="{FF2B5EF4-FFF2-40B4-BE49-F238E27FC236}">
@@ -8800,7 +8860,7 @@
 </p:sld>
 </file>
 
-<file path=ppt/slides/slide22.xml><?xml version="1.0" encoding="utf-8"?>
+<file path=ppt/slides/slide23.xml><?xml version="1.0" encoding="utf-8"?>
 <p:sld xmlns:a="http://schemas.openxmlformats.org/drawingml/2006/main" xmlns:r="http://schemas.openxmlformats.org/officeDocument/2006/relationships" xmlns:p="http://schemas.openxmlformats.org/presentationml/2006/main">
   <p:cSld>
     <p:spTree>
@@ -9026,7 +9086,7 @@
 </p:sld>
 </file>
 
-<file path=ppt/slides/slide23.xml><?xml version="1.0" encoding="utf-8"?>
+<file path=ppt/slides/slide24.xml><?xml version="1.0" encoding="utf-8"?>
 <p:sld xmlns:a="http://schemas.openxmlformats.org/drawingml/2006/main" xmlns:r="http://schemas.openxmlformats.org/officeDocument/2006/relationships" xmlns:p="http://schemas.openxmlformats.org/presentationml/2006/main">
   <p:cSld>
     <p:spTree>
@@ -9234,7 +9294,7 @@
 </p:sld>
 </file>
 
-<file path=ppt/slides/slide24.xml><?xml version="1.0" encoding="utf-8"?>
+<file path=ppt/slides/slide25.xml><?xml version="1.0" encoding="utf-8"?>
 <p:sld xmlns:a="http://schemas.openxmlformats.org/drawingml/2006/main" xmlns:r="http://schemas.openxmlformats.org/officeDocument/2006/relationships" xmlns:p="http://schemas.openxmlformats.org/presentationml/2006/main">
   <p:cSld>
     <p:spTree>
@@ -9340,7 +9400,7 @@
 </p:sld>
 </file>
 
-<file path=ppt/slides/slide25.xml><?xml version="1.0" encoding="utf-8"?>
+<file path=ppt/slides/slide26.xml><?xml version="1.0" encoding="utf-8"?>
 <p:sld xmlns:a="http://schemas.openxmlformats.org/drawingml/2006/main" xmlns:r="http://schemas.openxmlformats.org/officeDocument/2006/relationships" xmlns:p="http://schemas.openxmlformats.org/presentationml/2006/main">
   <p:cSld>
     <p:spTree>
@@ -9446,7 +9506,7 @@
 </p:sld>
 </file>
 
-<file path=ppt/slides/slide26.xml><?xml version="1.0" encoding="utf-8"?>
+<file path=ppt/slides/slide27.xml><?xml version="1.0" encoding="utf-8"?>
 <p:sld xmlns:a="http://schemas.openxmlformats.org/drawingml/2006/main" xmlns:r="http://schemas.openxmlformats.org/officeDocument/2006/relationships" xmlns:p="http://schemas.openxmlformats.org/presentationml/2006/main">
   <p:cSld>
     <p:spTree>
@@ -9560,7 +9620,7 @@
 </p:sld>
 </file>
 
-<file path=ppt/slides/slide27.xml><?xml version="1.0" encoding="utf-8"?>
+<file path=ppt/slides/slide28.xml><?xml version="1.0" encoding="utf-8"?>
 <p:sld xmlns:a="http://schemas.openxmlformats.org/drawingml/2006/main" xmlns:r="http://schemas.openxmlformats.org/officeDocument/2006/relationships" xmlns:p="http://schemas.openxmlformats.org/presentationml/2006/main">
   <p:cSld>
     <p:spTree>
@@ -9689,7 +9749,7 @@
 </p:sld>
 </file>
 
-<file path=ppt/slides/slide28.xml><?xml version="1.0" encoding="utf-8"?>
+<file path=ppt/slides/slide29.xml><?xml version="1.0" encoding="utf-8"?>
 <p:sld xmlns:a="http://schemas.openxmlformats.org/drawingml/2006/main" xmlns:r="http://schemas.openxmlformats.org/officeDocument/2006/relationships" xmlns:p="http://schemas.openxmlformats.org/presentationml/2006/main">
   <p:cSld>
     <p:spTree>
@@ -9743,177 +9803,6 @@
     <p:extLst>
       <p:ext uri="{BB962C8B-B14F-4D97-AF65-F5344CB8AC3E}">
         <p14:creationId xmlns:p14="http://schemas.microsoft.com/office/powerpoint/2010/main" val="2174118856"/>
-      </p:ext>
-    </p:extLst>
-  </p:cSld>
-  <p:clrMapOvr>
-    <a:masterClrMapping/>
-  </p:clrMapOvr>
-</p:sld>
-</file>
-
-<file path=ppt/slides/slide29.xml><?xml version="1.0" encoding="utf-8"?>
-<p:sld xmlns:a="http://schemas.openxmlformats.org/drawingml/2006/main" xmlns:r="http://schemas.openxmlformats.org/officeDocument/2006/relationships" xmlns:p="http://schemas.openxmlformats.org/presentationml/2006/main">
-  <p:cSld>
-    <p:spTree>
-      <p:nvGrpSpPr>
-        <p:cNvPr id="1" name=""/>
-        <p:cNvGrpSpPr/>
-        <p:nvPr/>
-      </p:nvGrpSpPr>
-      <p:grpSpPr>
-        <a:xfrm>
-          <a:off x="0" y="0"/>
-          <a:ext cx="0" cy="0"/>
-          <a:chOff x="0" y="0"/>
-          <a:chExt cx="0" cy="0"/>
-        </a:xfrm>
-      </p:grpSpPr>
-      <p:sp>
-        <p:nvSpPr>
-          <p:cNvPr id="4" name="Title 3">
-            <a:extLst>
-              <a:ext uri="{FF2B5EF4-FFF2-40B4-BE49-F238E27FC236}">
-                <a16:creationId xmlns:a16="http://schemas.microsoft.com/office/drawing/2014/main" id="{8FCC9A7E-3F9E-E938-55B5-C1818A25F64E}"/>
-              </a:ext>
-            </a:extLst>
-          </p:cNvPr>
-          <p:cNvSpPr>
-            <a:spLocks noGrp="1"/>
-          </p:cNvSpPr>
-          <p:nvPr>
-            <p:ph type="title"/>
-          </p:nvPr>
-        </p:nvSpPr>
-        <p:spPr/>
-        <p:txBody>
-          <a:bodyPr/>
-          <a:lstStyle/>
-          <a:p>
-            <a:r>
-              <a:rPr lang="en-US" dirty="0"/>
-              <a:t>Program</a:t>
-            </a:r>
-          </a:p>
-        </p:txBody>
-      </p:sp>
-      <p:sp>
-        <p:nvSpPr>
-          <p:cNvPr id="5" name="Content Placeholder 4">
-            <a:extLst>
-              <a:ext uri="{FF2B5EF4-FFF2-40B4-BE49-F238E27FC236}">
-                <a16:creationId xmlns:a16="http://schemas.microsoft.com/office/drawing/2014/main" id="{0CD0C668-0ECC-D48C-072B-50CCFB0AAD79}"/>
-              </a:ext>
-            </a:extLst>
-          </p:cNvPr>
-          <p:cNvSpPr>
-            <a:spLocks noGrp="1"/>
-          </p:cNvSpPr>
-          <p:nvPr>
-            <p:ph sz="half" idx="2"/>
-          </p:nvPr>
-        </p:nvSpPr>
-        <p:spPr>
-          <a:xfrm>
-            <a:off x="6330041" y="997350"/>
-            <a:ext cx="5311625" cy="5404104"/>
-          </a:xfrm>
-        </p:spPr>
-        <p:txBody>
-          <a:bodyPr>
-            <a:noAutofit/>
-          </a:bodyPr>
-          <a:lstStyle/>
-          <a:p>
-            <a:pPr marL="342900" indent="-342900">
-              <a:buFont typeface="Arial" panose="020B0604020202020204" pitchFamily="34" charset="0"/>
-              <a:buChar char="•"/>
-            </a:pPr>
-            <a:r>
-              <a:rPr lang="en-US" sz="2000" dirty="0"/>
-              <a:t>Kick-Off </a:t>
-            </a:r>
-          </a:p>
-          <a:p>
-            <a:pPr marL="1143000" lvl="1">
-              <a:buFont typeface="Courier New" panose="02070309020205020404" pitchFamily="49" charset="0"/>
-              <a:buChar char="o"/>
-            </a:pPr>
-            <a:r>
-              <a:rPr lang="en-US" sz="2000" dirty="0"/>
-              <a:t>Students will be meet their teams and begin planning their project. </a:t>
-            </a:r>
-          </a:p>
-          <a:p>
-            <a:pPr marL="342900" indent="-342900">
-              <a:buFont typeface="Arial" panose="020B0604020202020204" pitchFamily="34" charset="0"/>
-              <a:buChar char="•"/>
-            </a:pPr>
-            <a:r>
-              <a:rPr lang="en-US" sz="2000" dirty="0"/>
-              <a:t>4 Workshops </a:t>
-            </a:r>
-          </a:p>
-          <a:p>
-            <a:pPr marL="1143000" lvl="1">
-              <a:buFont typeface="Courier New" panose="02070309020205020404" pitchFamily="49" charset="0"/>
-              <a:buChar char="o"/>
-            </a:pPr>
-            <a:r>
-              <a:rPr lang="en-US" sz="2000" dirty="0"/>
-              <a:t>Students will attend guided workshops covering key tools used in data science projects.</a:t>
-            </a:r>
-          </a:p>
-          <a:p>
-            <a:pPr marL="342900" indent="-342900">
-              <a:buFont typeface="Arial" panose="020B0604020202020204" pitchFamily="34" charset="0"/>
-              <a:buChar char="•"/>
-            </a:pPr>
-            <a:r>
-              <a:rPr lang="en-US" sz="2000" dirty="0"/>
-              <a:t>Help Sessions </a:t>
-            </a:r>
-          </a:p>
-          <a:p>
-            <a:pPr marL="1143000" lvl="1">
-              <a:buFont typeface="Courier New" panose="02070309020205020404" pitchFamily="49" charset="0"/>
-              <a:buChar char="o"/>
-            </a:pPr>
-            <a:r>
-              <a:rPr lang="en-US" sz="2000" dirty="0" err="1"/>
-              <a:t>Data@UCI</a:t>
-            </a:r>
-            <a:r>
-              <a:rPr lang="en-US" sz="2000" dirty="0"/>
-              <a:t> will provide mini help sessions following the end each workshop.</a:t>
-            </a:r>
-          </a:p>
-          <a:p>
-            <a:pPr marL="342900" indent="-342900">
-              <a:buFont typeface="Arial" panose="020B0604020202020204" pitchFamily="34" charset="0"/>
-              <a:buChar char="•"/>
-            </a:pPr>
-            <a:r>
-              <a:rPr lang="en-US" sz="2000" dirty="0"/>
-              <a:t>Final Presentations </a:t>
-            </a:r>
-          </a:p>
-          <a:p>
-            <a:pPr marL="1143000" lvl="1">
-              <a:buFont typeface="Courier New" panose="02070309020205020404" pitchFamily="49" charset="0"/>
-              <a:buChar char="o"/>
-            </a:pPr>
-            <a:r>
-              <a:rPr lang="en-US" sz="2000" dirty="0"/>
-              <a:t>Groups will have the opportunity to present their projects and win prizes.</a:t>
-            </a:r>
-          </a:p>
-        </p:txBody>
-      </p:sp>
-    </p:spTree>
-    <p:extLst>
-      <p:ext uri="{BB962C8B-B14F-4D97-AF65-F5344CB8AC3E}">
-        <p14:creationId xmlns:p14="http://schemas.microsoft.com/office/powerpoint/2010/main" val="3596853183"/>
       </p:ext>
     </p:extLst>
   </p:cSld>
@@ -10043,6 +9932,177 @@
           <a:chExt cx="0" cy="0"/>
         </a:xfrm>
       </p:grpSpPr>
+      <p:sp>
+        <p:nvSpPr>
+          <p:cNvPr id="4" name="Title 3">
+            <a:extLst>
+              <a:ext uri="{FF2B5EF4-FFF2-40B4-BE49-F238E27FC236}">
+                <a16:creationId xmlns:a16="http://schemas.microsoft.com/office/drawing/2014/main" id="{8FCC9A7E-3F9E-E938-55B5-C1818A25F64E}"/>
+              </a:ext>
+            </a:extLst>
+          </p:cNvPr>
+          <p:cNvSpPr>
+            <a:spLocks noGrp="1"/>
+          </p:cNvSpPr>
+          <p:nvPr>
+            <p:ph type="title"/>
+          </p:nvPr>
+        </p:nvSpPr>
+        <p:spPr/>
+        <p:txBody>
+          <a:bodyPr/>
+          <a:lstStyle/>
+          <a:p>
+            <a:r>
+              <a:rPr lang="en-US" dirty="0"/>
+              <a:t>Program</a:t>
+            </a:r>
+          </a:p>
+        </p:txBody>
+      </p:sp>
+      <p:sp>
+        <p:nvSpPr>
+          <p:cNvPr id="5" name="Content Placeholder 4">
+            <a:extLst>
+              <a:ext uri="{FF2B5EF4-FFF2-40B4-BE49-F238E27FC236}">
+                <a16:creationId xmlns:a16="http://schemas.microsoft.com/office/drawing/2014/main" id="{0CD0C668-0ECC-D48C-072B-50CCFB0AAD79}"/>
+              </a:ext>
+            </a:extLst>
+          </p:cNvPr>
+          <p:cNvSpPr>
+            <a:spLocks noGrp="1"/>
+          </p:cNvSpPr>
+          <p:nvPr>
+            <p:ph sz="half" idx="2"/>
+          </p:nvPr>
+        </p:nvSpPr>
+        <p:spPr>
+          <a:xfrm>
+            <a:off x="6330041" y="997350"/>
+            <a:ext cx="5311625" cy="5404104"/>
+          </a:xfrm>
+        </p:spPr>
+        <p:txBody>
+          <a:bodyPr>
+            <a:noAutofit/>
+          </a:bodyPr>
+          <a:lstStyle/>
+          <a:p>
+            <a:pPr marL="342900" indent="-342900">
+              <a:buFont typeface="Arial" panose="020B0604020202020204" pitchFamily="34" charset="0"/>
+              <a:buChar char="•"/>
+            </a:pPr>
+            <a:r>
+              <a:rPr lang="en-US" sz="2000" dirty="0"/>
+              <a:t>Kick-Off </a:t>
+            </a:r>
+          </a:p>
+          <a:p>
+            <a:pPr marL="1143000" lvl="1">
+              <a:buFont typeface="Courier New" panose="02070309020205020404" pitchFamily="49" charset="0"/>
+              <a:buChar char="o"/>
+            </a:pPr>
+            <a:r>
+              <a:rPr lang="en-US" sz="2000" dirty="0"/>
+              <a:t>Students will be meet their teams and begin planning their project. </a:t>
+            </a:r>
+          </a:p>
+          <a:p>
+            <a:pPr marL="342900" indent="-342900">
+              <a:buFont typeface="Arial" panose="020B0604020202020204" pitchFamily="34" charset="0"/>
+              <a:buChar char="•"/>
+            </a:pPr>
+            <a:r>
+              <a:rPr lang="en-US" sz="2000" dirty="0"/>
+              <a:t>4 Workshops </a:t>
+            </a:r>
+          </a:p>
+          <a:p>
+            <a:pPr marL="1143000" lvl="1">
+              <a:buFont typeface="Courier New" panose="02070309020205020404" pitchFamily="49" charset="0"/>
+              <a:buChar char="o"/>
+            </a:pPr>
+            <a:r>
+              <a:rPr lang="en-US" sz="2000" dirty="0"/>
+              <a:t>Students will attend guided workshops covering key tools used in data science projects.</a:t>
+            </a:r>
+          </a:p>
+          <a:p>
+            <a:pPr marL="342900" indent="-342900">
+              <a:buFont typeface="Arial" panose="020B0604020202020204" pitchFamily="34" charset="0"/>
+              <a:buChar char="•"/>
+            </a:pPr>
+            <a:r>
+              <a:rPr lang="en-US" sz="2000" dirty="0"/>
+              <a:t>Help Sessions </a:t>
+            </a:r>
+          </a:p>
+          <a:p>
+            <a:pPr marL="1143000" lvl="1">
+              <a:buFont typeface="Courier New" panose="02070309020205020404" pitchFamily="49" charset="0"/>
+              <a:buChar char="o"/>
+            </a:pPr>
+            <a:r>
+              <a:rPr lang="en-US" sz="2000" dirty="0" err="1"/>
+              <a:t>Data@UCI</a:t>
+            </a:r>
+            <a:r>
+              <a:rPr lang="en-US" sz="2000" dirty="0"/>
+              <a:t> will provide mini help sessions following the end each workshop.</a:t>
+            </a:r>
+          </a:p>
+          <a:p>
+            <a:pPr marL="342900" indent="-342900">
+              <a:buFont typeface="Arial" panose="020B0604020202020204" pitchFamily="34" charset="0"/>
+              <a:buChar char="•"/>
+            </a:pPr>
+            <a:r>
+              <a:rPr lang="en-US" sz="2000" dirty="0"/>
+              <a:t>Final Presentations </a:t>
+            </a:r>
+          </a:p>
+          <a:p>
+            <a:pPr marL="1143000" lvl="1">
+              <a:buFont typeface="Courier New" panose="02070309020205020404" pitchFamily="49" charset="0"/>
+              <a:buChar char="o"/>
+            </a:pPr>
+            <a:r>
+              <a:rPr lang="en-US" sz="2000" dirty="0"/>
+              <a:t>Groups will have the opportunity to present their projects and win prizes.</a:t>
+            </a:r>
+          </a:p>
+        </p:txBody>
+      </p:sp>
+    </p:spTree>
+    <p:extLst>
+      <p:ext uri="{BB962C8B-B14F-4D97-AF65-F5344CB8AC3E}">
+        <p14:creationId xmlns:p14="http://schemas.microsoft.com/office/powerpoint/2010/main" val="3596853183"/>
+      </p:ext>
+    </p:extLst>
+  </p:cSld>
+  <p:clrMapOvr>
+    <a:masterClrMapping/>
+  </p:clrMapOvr>
+</p:sld>
+</file>
+
+<file path=ppt/slides/slide31.xml><?xml version="1.0" encoding="utf-8"?>
+<p:sld xmlns:a="http://schemas.openxmlformats.org/drawingml/2006/main" xmlns:r="http://schemas.openxmlformats.org/officeDocument/2006/relationships" xmlns:p="http://schemas.openxmlformats.org/presentationml/2006/main">
+  <p:cSld>
+    <p:spTree>
+      <p:nvGrpSpPr>
+        <p:cNvPr id="1" name=""/>
+        <p:cNvGrpSpPr/>
+        <p:nvPr/>
+      </p:nvGrpSpPr>
+      <p:grpSpPr>
+        <a:xfrm>
+          <a:off x="0" y="0"/>
+          <a:ext cx="0" cy="0"/>
+          <a:chOff x="0" y="0"/>
+          <a:chExt cx="0" cy="0"/>
+        </a:xfrm>
+      </p:grpSpPr>
       <p:graphicFrame>
         <p:nvGraphicFramePr>
           <p:cNvPr id="7" name="Content Placeholder 6">
@@ -10059,7 +10119,7 @@
             <p:ph sz="half" idx="2"/>
             <p:extLst>
               <p:ext uri="{D42A27DB-BD31-4B8C-83A1-F6EECF244321}">
-                <p14:modId xmlns:p14="http://schemas.microsoft.com/office/powerpoint/2010/main" val="2744393931"/>
+                <p14:modId xmlns:p14="http://schemas.microsoft.com/office/powerpoint/2010/main" val="2709876532"/>
               </p:ext>
             </p:extLst>
           </p:nvPr>
@@ -10679,7 +10739,7 @@
 </p:sld>
 </file>
 
-<file path=ppt/slides/slide31.xml><?xml version="1.0" encoding="utf-8"?>
+<file path=ppt/slides/slide32.xml><?xml version="1.0" encoding="utf-8"?>
 <p:sld xmlns:a="http://schemas.openxmlformats.org/drawingml/2006/main" xmlns:r="http://schemas.openxmlformats.org/officeDocument/2006/relationships" xmlns:p="http://schemas.openxmlformats.org/presentationml/2006/main">
   <p:cSld>
     <p:spTree>
@@ -10742,7 +10802,7 @@
 </p:sld>
 </file>
 
-<file path=ppt/slides/slide32.xml><?xml version="1.0" encoding="utf-8"?>
+<file path=ppt/slides/slide33.xml><?xml version="1.0" encoding="utf-8"?>
 <p:sld xmlns:a="http://schemas.openxmlformats.org/drawingml/2006/main" xmlns:r="http://schemas.openxmlformats.org/officeDocument/2006/relationships" xmlns:p="http://schemas.openxmlformats.org/presentationml/2006/main">
   <p:cSld>
     <p:spTree>
@@ -10774,7 +10834,7 @@
           <p:nvPr>
             <p:extLst>
               <p:ext uri="{D42A27DB-BD31-4B8C-83A1-F6EECF244321}">
-                <p14:modId xmlns:p14="http://schemas.microsoft.com/office/powerpoint/2010/main" val="2976262601"/>
+                <p14:modId xmlns:p14="http://schemas.microsoft.com/office/powerpoint/2010/main" val="1327995452"/>
               </p:ext>
             </p:extLst>
           </p:nvPr>
@@ -11363,7 +11423,7 @@
 </p:sld>
 </file>
 
-<file path=ppt/slides/slide33.xml><?xml version="1.0" encoding="utf-8"?>
+<file path=ppt/slides/slide34.xml><?xml version="1.0" encoding="utf-8"?>
 <p:sld xmlns:a="http://schemas.openxmlformats.org/drawingml/2006/main" xmlns:r="http://schemas.openxmlformats.org/officeDocument/2006/relationships" xmlns:p="http://schemas.openxmlformats.org/presentationml/2006/main">
   <p:cSld>
     <p:spTree>
@@ -12667,6 +12727,26 @@
 </file>
 
 <file path=customXml/item1.xml><?xml version="1.0" encoding="utf-8"?>
+<p:properties xmlns:p="http://schemas.microsoft.com/office/2006/metadata/properties" xmlns:xsi="http://www.w3.org/2001/XMLSchema-instance" xmlns:pc="http://schemas.microsoft.com/office/infopath/2007/PartnerControls">
+  <documentManagement>
+    <MediaServiceKeyPoints xmlns="71af3243-3dd4-4a8d-8c0d-dd76da1f02a5" xsi:nil="true"/>
+    <_ip_UnifiedCompliancePolicyUIAction xmlns="http://schemas.microsoft.com/sharepoint/v3" xsi:nil="true"/>
+    <Image xmlns="71af3243-3dd4-4a8d-8c0d-dd76da1f02a5">
+      <Url xsi:nil="true"/>
+      <Description xsi:nil="true"/>
+    </Image>
+    <Status xmlns="71af3243-3dd4-4a8d-8c0d-dd76da1f02a5">Not started</Status>
+    <Background xmlns="71af3243-3dd4-4a8d-8c0d-dd76da1f02a5">false</Background>
+    <_ip_UnifiedCompliancePolicyProperties xmlns="http://schemas.microsoft.com/sharepoint/v3" xsi:nil="true"/>
+    <ImageTagsTaxHTField xmlns="71af3243-3dd4-4a8d-8c0d-dd76da1f02a5">
+      <Terms xmlns="http://schemas.microsoft.com/office/infopath/2007/PartnerControls"/>
+    </ImageTagsTaxHTField>
+    <TaxCatchAll xmlns="230e9df3-be65-4c73-a93b-d1236ebd677e" xsi:nil="true"/>
+  </documentManagement>
+</p:properties>
+</file>
+
+<file path=customXml/item2.xml><?xml version="1.0" encoding="utf-8"?>
 <ct:contentTypeSchema xmlns:ct="http://schemas.microsoft.com/office/2006/metadata/contentType" xmlns:ma="http://schemas.microsoft.com/office/2006/metadata/properties/metaAttributes" ct:_="" ma:_="" ma:contentTypeName="Document" ma:contentTypeID="0x01010079F111ED35F8CC479449609E8A0923A6" ma:contentTypeVersion="30" ma:contentTypeDescription="Create a new document." ma:contentTypeScope="" ma:versionID="cec0622158e8f13124e9e8fd4de31bd1">
   <xsd:schema xmlns:xsd="http://www.w3.org/2001/XMLSchema" xmlns:xs="http://www.w3.org/2001/XMLSchema" xmlns:p="http://schemas.microsoft.com/office/2006/metadata/properties" xmlns:ns1="http://schemas.microsoft.com/sharepoint/v3" xmlns:ns2="71af3243-3dd4-4a8d-8c0d-dd76da1f02a5" xmlns:ns3="16c05727-aa75-4e4a-9b5f-8a80a1165891" xmlns:ns4="230e9df3-be65-4c73-a93b-d1236ebd677e" targetNamespace="http://schemas.microsoft.com/office/2006/metadata/properties" ma:root="true" ma:fieldsID="3b52f30ab005d15df08657af532e6e38" ns1:_="" ns2:_="" ns3:_="" ns4:_="">
     <xsd:import namespace="http://schemas.microsoft.com/sharepoint/v3"/>
@@ -12984,26 +13064,6 @@
 </ct:contentTypeSchema>
 </file>
 
-<file path=customXml/item2.xml><?xml version="1.0" encoding="utf-8"?>
-<p:properties xmlns:p="http://schemas.microsoft.com/office/2006/metadata/properties" xmlns:xsi="http://www.w3.org/2001/XMLSchema-instance" xmlns:pc="http://schemas.microsoft.com/office/infopath/2007/PartnerControls">
-  <documentManagement>
-    <MediaServiceKeyPoints xmlns="71af3243-3dd4-4a8d-8c0d-dd76da1f02a5" xsi:nil="true"/>
-    <_ip_UnifiedCompliancePolicyUIAction xmlns="http://schemas.microsoft.com/sharepoint/v3" xsi:nil="true"/>
-    <Image xmlns="71af3243-3dd4-4a8d-8c0d-dd76da1f02a5">
-      <Url xsi:nil="true"/>
-      <Description xsi:nil="true"/>
-    </Image>
-    <Status xmlns="71af3243-3dd4-4a8d-8c0d-dd76da1f02a5">Not started</Status>
-    <Background xmlns="71af3243-3dd4-4a8d-8c0d-dd76da1f02a5">false</Background>
-    <_ip_UnifiedCompliancePolicyProperties xmlns="http://schemas.microsoft.com/sharepoint/v3" xsi:nil="true"/>
-    <ImageTagsTaxHTField xmlns="71af3243-3dd4-4a8d-8c0d-dd76da1f02a5">
-      <Terms xmlns="http://schemas.microsoft.com/office/infopath/2007/PartnerControls"/>
-    </ImageTagsTaxHTField>
-    <TaxCatchAll xmlns="230e9df3-be65-4c73-a93b-d1236ebd677e" xsi:nil="true"/>
-  </documentManagement>
-</p:properties>
-</file>
-
 <file path=customXml/item3.xml><?xml version="1.0" encoding="utf-8"?>
 <?mso-contentType ?>
 <FormTemplates xmlns="http://schemas.microsoft.com/sharepoint/v3/contenttype/forms">
@@ -13014,6 +13074,25 @@
 </file>
 
 <file path=customXml/itemProps1.xml><?xml version="1.0" encoding="utf-8"?>
+<ds:datastoreItem xmlns:ds="http://schemas.openxmlformats.org/officeDocument/2006/customXml" ds:itemID="{826A71AF-4CF2-4B95-BFB6-5C27500258C6}">
+  <ds:schemaRefs>
+    <ds:schemaRef ds:uri="http://purl.org/dc/elements/1.1/"/>
+    <ds:schemaRef ds:uri="http://schemas.microsoft.com/office/2006/documentManagement/types"/>
+    <ds:schemaRef ds:uri="16c05727-aa75-4e4a-9b5f-8a80a1165891"/>
+    <ds:schemaRef ds:uri="http://purl.org/dc/terms/"/>
+    <ds:schemaRef ds:uri="230e9df3-be65-4c73-a93b-d1236ebd677e"/>
+    <ds:schemaRef ds:uri="http://schemas.openxmlformats.org/package/2006/metadata/core-properties"/>
+    <ds:schemaRef ds:uri="http://schemas.microsoft.com/office/infopath/2007/PartnerControls"/>
+    <ds:schemaRef ds:uri="http://purl.org/dc/dcmitype/"/>
+    <ds:schemaRef ds:uri="71af3243-3dd4-4a8d-8c0d-dd76da1f02a5"/>
+    <ds:schemaRef ds:uri="http://schemas.microsoft.com/sharepoint/v3"/>
+    <ds:schemaRef ds:uri="http://schemas.microsoft.com/office/2006/metadata/properties"/>
+    <ds:schemaRef ds:uri="http://www.w3.org/XML/1998/namespace"/>
+  </ds:schemaRefs>
+</ds:datastoreItem>
+</file>
+
+<file path=customXml/itemProps2.xml><?xml version="1.0" encoding="utf-8"?>
 <ds:datastoreItem xmlns:ds="http://schemas.openxmlformats.org/officeDocument/2006/customXml" ds:itemID="{118B1F56-8983-41A9-8E90-86247BC2C41D}">
   <ds:schemaRefs>
     <ds:schemaRef ds:uri="http://schemas.microsoft.com/office/2006/metadata/contentType"/>
@@ -13034,25 +13113,6 @@
 </ds:datastoreItem>
 </file>
 
-<file path=customXml/itemProps2.xml><?xml version="1.0" encoding="utf-8"?>
-<ds:datastoreItem xmlns:ds="http://schemas.openxmlformats.org/officeDocument/2006/customXml" ds:itemID="{826A71AF-4CF2-4B95-BFB6-5C27500258C6}">
-  <ds:schemaRefs>
-    <ds:schemaRef ds:uri="http://purl.org/dc/elements/1.1/"/>
-    <ds:schemaRef ds:uri="http://schemas.microsoft.com/office/2006/documentManagement/types"/>
-    <ds:schemaRef ds:uri="16c05727-aa75-4e4a-9b5f-8a80a1165891"/>
-    <ds:schemaRef ds:uri="http://purl.org/dc/terms/"/>
-    <ds:schemaRef ds:uri="230e9df3-be65-4c73-a93b-d1236ebd677e"/>
-    <ds:schemaRef ds:uri="http://schemas.openxmlformats.org/package/2006/metadata/core-properties"/>
-    <ds:schemaRef ds:uri="http://schemas.microsoft.com/office/infopath/2007/PartnerControls"/>
-    <ds:schemaRef ds:uri="http://purl.org/dc/dcmitype/"/>
-    <ds:schemaRef ds:uri="71af3243-3dd4-4a8d-8c0d-dd76da1f02a5"/>
-    <ds:schemaRef ds:uri="http://schemas.microsoft.com/sharepoint/v3"/>
-    <ds:schemaRef ds:uri="http://schemas.microsoft.com/office/2006/metadata/properties"/>
-    <ds:schemaRef ds:uri="http://www.w3.org/XML/1998/namespace"/>
-  </ds:schemaRefs>
-</ds:datastoreItem>
-</file>
-
 <file path=customXml/itemProps3.xml><?xml version="1.0" encoding="utf-8"?>
 <ds:datastoreItem xmlns:ds="http://schemas.openxmlformats.org/officeDocument/2006/customXml" ds:itemID="{0F60B100-7079-4DE7-AF7C-20BFB1D62C46}">
   <ds:schemaRefs>

--- a/presentations/BI Analysis Week 5.pptx
+++ b/presentations/BI Analysis Week 5.pptx
@@ -326,7 +326,7 @@
           <a:p>
             <a:fld id="{D3D47A4C-1800-412B-9042-C93F1924AECC}" type="datetimeFigureOut">
               <a:rPr lang="en-US" smtClean="0"/>
-              <a:t>1/31/2025</a:t>
+              <a:t>2/3/2025</a:t>
             </a:fld>
             <a:endParaRPr lang="en-US"/>
           </a:p>
@@ -503,7 +503,7 @@
           <a:p>
             <a:fld id="{7000EB3D-2307-4317-8A1D-B47FA45245F0}" type="datetimeFigureOut">
               <a:rPr lang="en-US" noProof="0" smtClean="0"/>
-              <a:t>1/31/2025</a:t>
+              <a:t>2/3/2025</a:t>
             </a:fld>
             <a:endParaRPr lang="en-US" noProof="0"/>
           </a:p>
@@ -1629,7 +1629,7 @@
           <a:p>
             <a:fld id="{25C0C67E-B257-49FB-AFB7-390FF0CAC9EE}" type="datetime1">
               <a:rPr lang="en-US" smtClean="0"/>
-              <a:t>1/31/2025</a:t>
+              <a:t>2/3/2025</a:t>
             </a:fld>
             <a:endParaRPr lang="en-US" dirty="0"/>
           </a:p>
@@ -2316,7 +2316,7 @@
           <a:p>
             <a:fld id="{03BBD6F9-FF78-4379-B47B-B6CCD4905C21}" type="datetime1">
               <a:rPr lang="en-US" smtClean="0"/>
-              <a:t>1/31/2025</a:t>
+              <a:t>2/3/2025</a:t>
             </a:fld>
             <a:endParaRPr lang="en-US" dirty="0"/>
           </a:p>
@@ -2852,7 +2852,7 @@
           <a:p>
             <a:fld id="{2AAF6C4C-B857-4C53-AEC7-D656D7ED2A76}" type="datetime1">
               <a:rPr lang="en-US" smtClean="0"/>
-              <a:t>1/31/2025</a:t>
+              <a:t>2/3/2025</a:t>
             </a:fld>
             <a:endParaRPr lang="en-US" dirty="0"/>
           </a:p>
@@ -3492,7 +3492,7 @@
           <a:p>
             <a:fld id="{CAE074D3-6905-43E2-BEC0-283A6A564273}" type="datetime1">
               <a:rPr lang="en-US" smtClean="0"/>
-              <a:t>1/31/2025</a:t>
+              <a:t>2/3/2025</a:t>
             </a:fld>
             <a:endParaRPr lang="en-US" dirty="0"/>
           </a:p>
@@ -4290,7 +4290,7 @@
           <a:p>
             <a:fld id="{47050DF2-E1AE-4752-B51C-00A6271C04BA}" type="datetime1">
               <a:rPr lang="en-US" smtClean="0"/>
-              <a:t>1/31/2025</a:t>
+              <a:t>2/3/2025</a:t>
             </a:fld>
             <a:endParaRPr lang="en-US" dirty="0"/>
           </a:p>
@@ -5176,7 +5176,7 @@
           <a:p>
             <a:fld id="{DC3E54E2-E800-4A5F-A6BA-BFDD0B48CDBE}" type="datetime1">
               <a:rPr lang="en-US" smtClean="0"/>
-              <a:t>1/31/2025</a:t>
+              <a:t>2/3/2025</a:t>
             </a:fld>
             <a:endParaRPr lang="en-US" dirty="0"/>
           </a:p>
@@ -5509,7 +5509,7 @@
           <a:p>
             <a:fld id="{ED68B9E8-D726-48B5-B06E-0920A38DFDCE}" type="datetime1">
               <a:rPr lang="en-US" smtClean="0"/>
-              <a:t>1/31/2025</a:t>
+              <a:t>2/3/2025</a:t>
             </a:fld>
             <a:endParaRPr lang="en-US" dirty="0"/>
           </a:p>
@@ -5702,7 +5702,7 @@
           <a:p>
             <a:fld id="{A01838E9-F567-4B1C-90ED-A9C2AFA6D6F3}" type="datetime1">
               <a:rPr lang="en-US" smtClean="0"/>
-              <a:t>1/31/2025</a:t>
+              <a:t>2/3/2025</a:t>
             </a:fld>
             <a:endParaRPr lang="en-US" dirty="0"/>
           </a:p>
@@ -10004,7 +10004,7 @@
             </a:pPr>
             <a:r>
               <a:rPr lang="en-US" sz="2000" dirty="0"/>
-              <a:t>Students will be meet their teams and begin planning their project. </a:t>
+              <a:t>Students will meet their teams and begin planning their project. </a:t>
             </a:r>
           </a:p>
           <a:p>
@@ -12747,6 +12747,15 @@
 </file>
 
 <file path=customXml/item2.xml><?xml version="1.0" encoding="utf-8"?>
+<?mso-contentType ?>
+<FormTemplates xmlns="http://schemas.microsoft.com/sharepoint/v3/contenttype/forms">
+  <Display>DocumentLibraryForm</Display>
+  <Edit>DocumentLibraryForm</Edit>
+  <New>DocumentLibraryForm</New>
+</FormTemplates>
+</file>
+
+<file path=customXml/item3.xml><?xml version="1.0" encoding="utf-8"?>
 <ct:contentTypeSchema xmlns:ct="http://schemas.microsoft.com/office/2006/metadata/contentType" xmlns:ma="http://schemas.microsoft.com/office/2006/metadata/properties/metaAttributes" ct:_="" ma:_="" ma:contentTypeName="Document" ma:contentTypeID="0x01010079F111ED35F8CC479449609E8A0923A6" ma:contentTypeVersion="30" ma:contentTypeDescription="Create a new document." ma:contentTypeScope="" ma:versionID="cec0622158e8f13124e9e8fd4de31bd1">
   <xsd:schema xmlns:xsd="http://www.w3.org/2001/XMLSchema" xmlns:xs="http://www.w3.org/2001/XMLSchema" xmlns:p="http://schemas.microsoft.com/office/2006/metadata/properties" xmlns:ns1="http://schemas.microsoft.com/sharepoint/v3" xmlns:ns2="71af3243-3dd4-4a8d-8c0d-dd76da1f02a5" xmlns:ns3="16c05727-aa75-4e4a-9b5f-8a80a1165891" xmlns:ns4="230e9df3-be65-4c73-a93b-d1236ebd677e" targetNamespace="http://schemas.microsoft.com/office/2006/metadata/properties" ma:root="true" ma:fieldsID="3b52f30ab005d15df08657af532e6e38" ns1:_="" ns2:_="" ns3:_="" ns4:_="">
     <xsd:import namespace="http://schemas.microsoft.com/sharepoint/v3"/>
@@ -13064,15 +13073,6 @@
 </ct:contentTypeSchema>
 </file>
 
-<file path=customXml/item3.xml><?xml version="1.0" encoding="utf-8"?>
-<?mso-contentType ?>
-<FormTemplates xmlns="http://schemas.microsoft.com/sharepoint/v3/contenttype/forms">
-  <Display>DocumentLibraryForm</Display>
-  <Edit>DocumentLibraryForm</Edit>
-  <New>DocumentLibraryForm</New>
-</FormTemplates>
-</file>
-
 <file path=customXml/itemProps1.xml><?xml version="1.0" encoding="utf-8"?>
 <ds:datastoreItem xmlns:ds="http://schemas.openxmlformats.org/officeDocument/2006/customXml" ds:itemID="{826A71AF-4CF2-4B95-BFB6-5C27500258C6}">
   <ds:schemaRefs>
@@ -13093,6 +13093,14 @@
 </file>
 
 <file path=customXml/itemProps2.xml><?xml version="1.0" encoding="utf-8"?>
+<ds:datastoreItem xmlns:ds="http://schemas.openxmlformats.org/officeDocument/2006/customXml" ds:itemID="{0F60B100-7079-4DE7-AF7C-20BFB1D62C46}">
+  <ds:schemaRefs>
+    <ds:schemaRef ds:uri="http://schemas.microsoft.com/sharepoint/v3/contenttype/forms"/>
+  </ds:schemaRefs>
+</ds:datastoreItem>
+</file>
+
+<file path=customXml/itemProps3.xml><?xml version="1.0" encoding="utf-8"?>
 <ds:datastoreItem xmlns:ds="http://schemas.openxmlformats.org/officeDocument/2006/customXml" ds:itemID="{118B1F56-8983-41A9-8E90-86247BC2C41D}">
   <ds:schemaRefs>
     <ds:schemaRef ds:uri="http://schemas.microsoft.com/office/2006/metadata/contentType"/>
@@ -13113,14 +13121,6 @@
 </ds:datastoreItem>
 </file>
 
-<file path=customXml/itemProps3.xml><?xml version="1.0" encoding="utf-8"?>
-<ds:datastoreItem xmlns:ds="http://schemas.openxmlformats.org/officeDocument/2006/customXml" ds:itemID="{0F60B100-7079-4DE7-AF7C-20BFB1D62C46}">
-  <ds:schemaRefs>
-    <ds:schemaRef ds:uri="http://schemas.microsoft.com/sharepoint/v3/contenttype/forms"/>
-  </ds:schemaRefs>
-</ds:datastoreItem>
-</file>
-
 <file path=docMetadata/LabelInfo.xml><?xml version="1.0" encoding="utf-8"?>
 <clbl:labelList xmlns:clbl="http://schemas.microsoft.com/office/2020/mipLabelMetadata">
   <clbl:label id="{5fae8262-b78e-4366-8929-a5d6aac95320}" enabled="1" method="Standard" siteId="{cf36141c-ddd7-45a7-b073-111f66d0b30c}" removed="0"/>
